--- a/Slides/SPIDAL-MIDAS-BioSim-Feb2017.pptx
+++ b/Slides/SPIDAL-MIDAS-BioSim-Feb2017.pptx
@@ -7744,8 +7744,53 @@
                 <a:cs typeface="Arial"/>
                 <a:sym typeface="Arial"/>
               </a:rPr>
-              <a:t>Introduction Pilot Abstraction</a:t>
-            </a:r>
+              <a:t>Introduction </a:t>
+            </a:r>
+            <a:r>
+              <a:rPr lang="en" sz="3600" b="1" i="0" u="none" strike="noStrike" cap="none" dirty="0" smtClean="0">
+                <a:solidFill>
+                  <a:srgbClr val="A50021"/>
+                </a:solidFill>
+                <a:latin typeface="Arial"/>
+                <a:ea typeface="Arial"/>
+                <a:cs typeface="Arial"/>
+                <a:sym typeface="Arial"/>
+              </a:rPr>
+              <a:t>Pilot</a:t>
+            </a:r>
+            <a:r>
+              <a:rPr lang="de-DE" sz="3600" b="1" i="0" u="none" strike="noStrike" cap="none" dirty="0" smtClean="0">
+                <a:solidFill>
+                  <a:srgbClr val="A50021"/>
+                </a:solidFill>
+                <a:latin typeface="Arial"/>
+                <a:ea typeface="Arial"/>
+                <a:cs typeface="Arial"/>
+                <a:sym typeface="Arial"/>
+              </a:rPr>
+              <a:t>-</a:t>
+            </a:r>
+            <a:r>
+              <a:rPr lang="en" sz="3600" b="1" i="0" u="none" strike="noStrike" cap="none" dirty="0" smtClean="0">
+                <a:solidFill>
+                  <a:srgbClr val="A50021"/>
+                </a:solidFill>
+                <a:latin typeface="Arial"/>
+                <a:ea typeface="Arial"/>
+                <a:cs typeface="Arial"/>
+                <a:sym typeface="Arial"/>
+              </a:rPr>
+              <a:t>Abstraction</a:t>
+            </a:r>
+            <a:endParaRPr lang="en" sz="3600" b="1" i="0" u="none" strike="noStrike" cap="none" dirty="0">
+              <a:solidFill>
+                <a:srgbClr val="A50021"/>
+              </a:solidFill>
+              <a:latin typeface="Arial"/>
+              <a:ea typeface="Arial"/>
+              <a:cs typeface="Arial"/>
+              <a:sym typeface="Arial"/>
+            </a:endParaRPr>
           </a:p>
         </p:txBody>
       </p:sp>
@@ -11996,7 +12041,7 @@
           </a:bodyPr>
           <a:lstStyle/>
           <a:p>
-            <a:pPr marL="571500" indent="-342900">
+            <a:pPr marL="571500" lvl="0" indent="-342900">
               <a:spcBef>
                 <a:spcPts val="0"/>
               </a:spcBef>
@@ -12004,12 +12049,20 @@
               <a:buChar char="•"/>
             </a:pPr>
             <a:r>
+              <a:rPr lang="de-DE" sz="1800" dirty="0" err="1" smtClean="0"/>
+              <a:t>Resource</a:t>
+            </a:r>
+            <a:r>
+              <a:rPr lang="de-DE" sz="1800" dirty="0" smtClean="0"/>
+              <a:t>-</a:t>
+            </a:r>
+            <a:r>
               <a:rPr lang="en" sz="1800" dirty="0"/>
-              <a:t>ApplicaPilot-Description: Describes the resources</a:t>
-            </a:r>
-          </a:p>
-          <a:p>
-            <a:pPr marL="571500" lvl="0" indent="-342900" rtl="0">
+              <a:t>Level:</a:t>
+            </a:r>
+          </a:p>
+          <a:p>
+            <a:pPr marL="1028700" lvl="1" indent="-342900">
               <a:spcBef>
                 <a:spcPts val="0"/>
               </a:spcBef>
@@ -12017,8 +12070,54 @@
               <a:buChar char="•"/>
             </a:pPr>
             <a:r>
+              <a:rPr lang="en" sz="1800" dirty="0" smtClean="0"/>
+              <a:t>Pilot-Description</a:t>
+            </a:r>
+            <a:r>
               <a:rPr lang="en" sz="1800" dirty="0"/>
-              <a:t>tion Level:</a:t>
+              <a:t>: Describes the </a:t>
+            </a:r>
+            <a:r>
+              <a:rPr lang="de-DE" sz="1800" dirty="0" err="1" smtClean="0"/>
+              <a:t>r</a:t>
+            </a:r>
+            <a:r>
+              <a:rPr lang="en" sz="1800" dirty="0" err="1" smtClean="0"/>
+              <a:t>esource</a:t>
+            </a:r>
+            <a:r>
+              <a:rPr lang="de-DE" sz="1800" dirty="0" smtClean="0"/>
+              <a:t> </a:t>
+            </a:r>
+            <a:r>
+              <a:rPr lang="de-DE" sz="1800" dirty="0" err="1" smtClean="0"/>
+              <a:t>requirements</a:t>
+            </a:r>
+            <a:endParaRPr lang="en" sz="1800" dirty="0"/>
+          </a:p>
+          <a:p>
+            <a:pPr marL="571500" lvl="0" indent="-342900" rtl="0">
+              <a:spcBef>
+                <a:spcPts val="0"/>
+              </a:spcBef>
+              <a:buFont typeface="Arial" panose="020B0604020202020204" pitchFamily="34" charset="0"/>
+              <a:buChar char="•"/>
+            </a:pPr>
+            <a:r>
+              <a:rPr lang="de-DE" sz="1800" dirty="0" err="1" smtClean="0"/>
+              <a:t>Application</a:t>
+            </a:r>
+            <a:r>
+              <a:rPr lang="de-DE" sz="1800" dirty="0" smtClean="0"/>
+              <a:t>-</a:t>
+            </a:r>
+            <a:r>
+              <a:rPr lang="en" sz="1800" dirty="0" smtClean="0"/>
+              <a:t>Level</a:t>
+            </a:r>
+            <a:r>
+              <a:rPr lang="en" sz="1800" dirty="0"/>
+              <a:t>:</a:t>
             </a:r>
           </a:p>
           <a:p>
@@ -12204,49 +12303,6 @@
       </p:grpSpPr>
       <p:sp>
         <p:nvSpPr>
-          <p:cNvPr id="214" name="Shape 214"/>
-          <p:cNvSpPr txBox="1">
-            <a:spLocks noGrp="1"/>
-          </p:cNvSpPr>
-          <p:nvPr>
-            <p:ph type="title"/>
-          </p:nvPr>
-        </p:nvSpPr>
-        <p:spPr>
-          <a:prstGeom prst="rect">
-            <a:avLst/>
-          </a:prstGeom>
-        </p:spPr>
-        <p:txBody>
-          <a:bodyPr lIns="91425" tIns="91425" rIns="91425" bIns="91425" anchor="b" anchorCtr="0">
-            <a:noAutofit/>
-          </a:bodyPr>
-          <a:lstStyle/>
-          <a:p>
-            <a:pPr lvl="0">
-              <a:spcBef>
-                <a:spcPts val="0"/>
-              </a:spcBef>
-              <a:buClr>
-                <a:schemeClr val="lt1"/>
-              </a:buClr>
-              <a:buSzPct val="25000"/>
-              <a:buFont typeface="Arial"/>
-              <a:buNone/>
-            </a:pPr>
-            <a:r>
-              <a:rPr lang="en" sz="3600" dirty="0">
-                <a:solidFill>
-                  <a:srgbClr val="A50021"/>
-                </a:solidFill>
-              </a:rPr>
-              <a:t>RADICAL-Pilot: Architecture</a:t>
-            </a:r>
-          </a:p>
-        </p:txBody>
-      </p:sp>
-      <p:sp>
-        <p:nvSpPr>
           <p:cNvPr id="215" name="Shape 215"/>
           <p:cNvSpPr txBox="1">
             <a:spLocks noGrp="1"/>
@@ -12354,6 +12410,242 @@
           </a:ln>
         </p:spPr>
       </p:pic>
+      <p:sp>
+        <p:nvSpPr>
+          <p:cNvPr id="6" name="Shape 207"/>
+          <p:cNvSpPr txBox="1">
+            <a:spLocks/>
+          </p:cNvSpPr>
+          <p:nvPr/>
+        </p:nvSpPr>
+        <p:spPr bwMode="auto">
+          <a:xfrm>
+            <a:off x="609600" y="358377"/>
+            <a:ext cx="8229600" cy="1141498"/>
+          </a:xfrm>
+          <a:prstGeom prst="rect">
+            <a:avLst/>
+          </a:prstGeom>
+          <a:noFill/>
+          <a:ln>
+            <a:noFill/>
+          </a:ln>
+          <a:extLst>
+            <a:ext uri="{909E8E84-426E-40DD-AFC4-6F175D3DCCD1}">
+              <a14:hiddenFill xmlns:a14="http://schemas.microsoft.com/office/drawing/2010/main">
+                <a:solidFill>
+                  <a:srgbClr val="FFFFFF"/>
+                </a:solidFill>
+              </a14:hiddenFill>
+            </a:ext>
+            <a:ext uri="{91240B29-F687-4F45-9708-019B960494DF}">
+              <a14:hiddenLine xmlns:a14="http://schemas.microsoft.com/office/drawing/2010/main" w="9525">
+                <a:solidFill>
+                  <a:srgbClr val="000000"/>
+                </a:solidFill>
+                <a:miter lim="800000"/>
+                <a:headEnd/>
+                <a:tailEnd/>
+              </a14:hiddenLine>
+            </a:ext>
+          </a:extLst>
+        </p:spPr>
+        <p:txBody>
+          <a:bodyPr vert="horz" wrap="square" lIns="91425" tIns="0" rIns="91425" bIns="0" numCol="1" anchor="b" anchorCtr="0" compatLnSpc="1">
+            <a:prstTxWarp prst="textNoShape">
+              <a:avLst/>
+            </a:prstTxWarp>
+            <a:noAutofit/>
+          </a:bodyPr>
+          <a:lstStyle>
+            <a:lvl1pPr lvl="0" algn="l" rtl="0" eaLnBrk="1" fontAlgn="base" hangingPunct="1">
+              <a:spcBef>
+                <a:spcPts val="0"/>
+              </a:spcBef>
+              <a:spcAft>
+                <a:spcPct val="0"/>
+              </a:spcAft>
+              <a:defRPr sz="2550" b="1" i="0" u="none">
+                <a:solidFill>
+                  <a:srgbClr val="B30838"/>
+                </a:solidFill>
+                <a:latin typeface="+mj-lt"/>
+                <a:ea typeface="+mj-ea"/>
+                <a:cs typeface="ＭＳ Ｐゴシック" pitchFamily="-107" charset="-128"/>
+              </a:defRPr>
+            </a:lvl1pPr>
+            <a:lvl2pPr lvl="1" algn="l" rtl="0" eaLnBrk="1" fontAlgn="base" hangingPunct="1">
+              <a:spcBef>
+                <a:spcPts val="0"/>
+              </a:spcBef>
+              <a:spcAft>
+                <a:spcPct val="0"/>
+              </a:spcAft>
+              <a:defRPr sz="2550" b="1">
+                <a:solidFill>
+                  <a:srgbClr val="B30838"/>
+                </a:solidFill>
+                <a:latin typeface="Arial" charset="0"/>
+                <a:ea typeface="ＭＳ Ｐゴシック" charset="-128"/>
+                <a:cs typeface="ＭＳ Ｐゴシック" pitchFamily="-107" charset="-128"/>
+              </a:defRPr>
+            </a:lvl2pPr>
+            <a:lvl3pPr lvl="2" algn="l" rtl="0" eaLnBrk="1" fontAlgn="base" hangingPunct="1">
+              <a:spcBef>
+                <a:spcPts val="0"/>
+              </a:spcBef>
+              <a:spcAft>
+                <a:spcPct val="0"/>
+              </a:spcAft>
+              <a:defRPr sz="2550" b="1">
+                <a:solidFill>
+                  <a:srgbClr val="B30838"/>
+                </a:solidFill>
+                <a:latin typeface="Arial" charset="0"/>
+                <a:ea typeface="ＭＳ Ｐゴシック" charset="-128"/>
+                <a:cs typeface="ＭＳ Ｐゴシック" pitchFamily="-107" charset="-128"/>
+              </a:defRPr>
+            </a:lvl3pPr>
+            <a:lvl4pPr lvl="3" algn="l" rtl="0" eaLnBrk="1" fontAlgn="base" hangingPunct="1">
+              <a:spcBef>
+                <a:spcPts val="0"/>
+              </a:spcBef>
+              <a:spcAft>
+                <a:spcPct val="0"/>
+              </a:spcAft>
+              <a:defRPr sz="2550" b="1">
+                <a:solidFill>
+                  <a:srgbClr val="B30838"/>
+                </a:solidFill>
+                <a:latin typeface="Arial" charset="0"/>
+                <a:ea typeface="ＭＳ Ｐゴシック" charset="-128"/>
+                <a:cs typeface="ＭＳ Ｐゴシック" pitchFamily="-107" charset="-128"/>
+              </a:defRPr>
+            </a:lvl4pPr>
+            <a:lvl5pPr lvl="4" algn="l" rtl="0" eaLnBrk="1" fontAlgn="base" hangingPunct="1">
+              <a:spcBef>
+                <a:spcPts val="0"/>
+              </a:spcBef>
+              <a:spcAft>
+                <a:spcPct val="0"/>
+              </a:spcAft>
+              <a:defRPr sz="2550" b="1">
+                <a:solidFill>
+                  <a:srgbClr val="B30838"/>
+                </a:solidFill>
+                <a:latin typeface="Arial" charset="0"/>
+                <a:ea typeface="ＭＳ Ｐゴシック" charset="-128"/>
+                <a:cs typeface="ＭＳ Ｐゴシック" pitchFamily="-107" charset="-128"/>
+              </a:defRPr>
+            </a:lvl5pPr>
+            <a:lvl6pPr marL="342900" lvl="5" algn="l" rtl="0" eaLnBrk="1" fontAlgn="base" hangingPunct="1">
+              <a:spcBef>
+                <a:spcPts val="0"/>
+              </a:spcBef>
+              <a:spcAft>
+                <a:spcPct val="0"/>
+              </a:spcAft>
+              <a:defRPr sz="2550" b="1">
+                <a:solidFill>
+                  <a:schemeClr val="accent1"/>
+                </a:solidFill>
+                <a:latin typeface="Arial" charset="0"/>
+                <a:ea typeface="ＭＳ Ｐゴシック" charset="-128"/>
+              </a:defRPr>
+            </a:lvl6pPr>
+            <a:lvl7pPr marL="685800" lvl="6" algn="l" rtl="0" eaLnBrk="1" fontAlgn="base" hangingPunct="1">
+              <a:spcBef>
+                <a:spcPts val="0"/>
+              </a:spcBef>
+              <a:spcAft>
+                <a:spcPct val="0"/>
+              </a:spcAft>
+              <a:defRPr sz="2550" b="1">
+                <a:solidFill>
+                  <a:schemeClr val="accent1"/>
+                </a:solidFill>
+                <a:latin typeface="Arial" charset="0"/>
+                <a:ea typeface="ＭＳ Ｐゴシック" charset="-128"/>
+              </a:defRPr>
+            </a:lvl7pPr>
+            <a:lvl8pPr marL="1028700" lvl="7" algn="l" rtl="0" eaLnBrk="1" fontAlgn="base" hangingPunct="1">
+              <a:spcBef>
+                <a:spcPts val="0"/>
+              </a:spcBef>
+              <a:spcAft>
+                <a:spcPct val="0"/>
+              </a:spcAft>
+              <a:defRPr sz="2550" b="1">
+                <a:solidFill>
+                  <a:schemeClr val="accent1"/>
+                </a:solidFill>
+                <a:latin typeface="Arial" charset="0"/>
+                <a:ea typeface="ＭＳ Ｐゴシック" charset="-128"/>
+              </a:defRPr>
+            </a:lvl8pPr>
+            <a:lvl9pPr marL="1371600" lvl="8" algn="l" rtl="0" eaLnBrk="1" fontAlgn="base" hangingPunct="1">
+              <a:spcBef>
+                <a:spcPts val="0"/>
+              </a:spcBef>
+              <a:spcAft>
+                <a:spcPct val="0"/>
+              </a:spcAft>
+              <a:defRPr sz="2550" b="1">
+                <a:solidFill>
+                  <a:schemeClr val="accent1"/>
+                </a:solidFill>
+                <a:latin typeface="Arial" charset="0"/>
+                <a:ea typeface="ＭＳ Ｐゴシック" charset="-128"/>
+              </a:defRPr>
+            </a:lvl9pPr>
+          </a:lstStyle>
+          <a:p>
+            <a:pPr>
+              <a:spcAft>
+                <a:spcPts val="0"/>
+              </a:spcAft>
+              <a:buClr>
+                <a:schemeClr val="lt1"/>
+              </a:buClr>
+              <a:buSzPct val="25000"/>
+              <a:buFont typeface="Arial"/>
+              <a:buNone/>
+            </a:pPr>
+            <a:r>
+              <a:rPr lang="en" sz="3600" kern="0" smtClean="0">
+                <a:solidFill>
+                  <a:srgbClr val="A50021"/>
+                </a:solidFill>
+                <a:latin typeface="Arial"/>
+                <a:ea typeface="Arial"/>
+                <a:cs typeface="Arial"/>
+                <a:sym typeface="Arial"/>
+              </a:rPr>
+              <a:t>RADICAL-Pilot: Architecture</a:t>
+            </a:r>
+            <a:br>
+              <a:rPr lang="en" sz="3600" kern="0" smtClean="0">
+                <a:solidFill>
+                  <a:srgbClr val="A50021"/>
+                </a:solidFill>
+                <a:latin typeface="Arial"/>
+                <a:ea typeface="Arial"/>
+                <a:cs typeface="Arial"/>
+                <a:sym typeface="Arial"/>
+              </a:rPr>
+            </a:br>
+            <a:endParaRPr lang="en" sz="3600" kern="0" dirty="0">
+              <a:solidFill>
+                <a:srgbClr val="A50021"/>
+              </a:solidFill>
+              <a:latin typeface="Arial"/>
+              <a:ea typeface="Arial"/>
+              <a:cs typeface="Arial"/>
+              <a:sym typeface="Arial"/>
+            </a:endParaRPr>
+          </a:p>
+        </p:txBody>
+      </p:sp>
     </p:spTree>
   </p:cSld>
   <p:clrMapOvr>
@@ -12381,79 +12673,6 @@
       </p:grpSpPr>
       <p:sp>
         <p:nvSpPr>
-          <p:cNvPr id="221" name="Shape 221"/>
-          <p:cNvSpPr txBox="1">
-            <a:spLocks noGrp="1"/>
-          </p:cNvSpPr>
-          <p:nvPr>
-            <p:ph type="title"/>
-          </p:nvPr>
-        </p:nvSpPr>
-        <p:spPr>
-          <a:xfrm>
-            <a:off x="457200" y="58493"/>
-            <a:ext cx="8229600" cy="1141498"/>
-          </a:xfrm>
-          <a:prstGeom prst="rect">
-            <a:avLst/>
-          </a:prstGeom>
-          <a:noFill/>
-          <a:ln>
-            <a:noFill/>
-          </a:ln>
-        </p:spPr>
-        <p:txBody>
-          <a:bodyPr lIns="91425" tIns="45700" rIns="91425" bIns="45700" anchor="ctr" anchorCtr="0">
-            <a:noAutofit/>
-          </a:bodyPr>
-          <a:lstStyle/>
-          <a:p>
-            <a:pPr marL="0" marR="0" lvl="0" indent="0" algn="l" rtl="0">
-              <a:lnSpc>
-                <a:spcPct val="100000"/>
-              </a:lnSpc>
-              <a:spcBef>
-                <a:spcPts val="0"/>
-              </a:spcBef>
-              <a:spcAft>
-                <a:spcPts val="0"/>
-              </a:spcAft>
-              <a:buClr>
-                <a:schemeClr val="lt1"/>
-              </a:buClr>
-              <a:buSzPct val="25000"/>
-              <a:buFont typeface="Arial"/>
-              <a:buNone/>
-            </a:pPr>
-            <a:r>
-              <a:rPr lang="en" sz="3200" b="0" i="0" u="none" strike="noStrike" cap="none" dirty="0">
-                <a:solidFill>
-                  <a:srgbClr val="A50021"/>
-                </a:solidFill>
-                <a:latin typeface="Arial"/>
-                <a:ea typeface="Arial"/>
-                <a:cs typeface="Arial"/>
-                <a:sym typeface="Arial"/>
-              </a:rPr>
-              <a:t>RADICAL-Pilot</a:t>
-            </a:r>
-            <a:r>
-              <a:rPr lang="en" sz="3200" b="1" i="0" u="none" strike="noStrike" cap="none" dirty="0">
-                <a:solidFill>
-                  <a:srgbClr val="A50021"/>
-                </a:solidFill>
-                <a:latin typeface="Arial"/>
-                <a:ea typeface="Arial"/>
-                <a:cs typeface="Arial"/>
-                <a:sym typeface="Arial"/>
-              </a:rPr>
-              <a:t>:</a:t>
-            </a:r>
-          </a:p>
-        </p:txBody>
-      </p:sp>
-      <p:sp>
-        <p:nvSpPr>
           <p:cNvPr id="222" name="Shape 222"/>
           <p:cNvSpPr txBox="1">
             <a:spLocks noGrp="1"/>
@@ -12486,7 +12705,7 @@
                 <a:spcPct val="100000"/>
               </a:lnSpc>
               <a:spcBef>
-                <a:spcPts val="0"/>
+                <a:spcPts val="1200"/>
               </a:spcBef>
               <a:spcAft>
                 <a:spcPts val="0"/>
@@ -12498,6 +12717,15 @@
               <a:buFont typeface="Arial"/>
               <a:buChar char="•"/>
             </a:pPr>
+            <a:r>
+              <a:rPr lang="en" sz="1700" b="0" i="0" u="none" strike="noStrike" cap="none" dirty="0" smtClean="0">
+                <a:latin typeface="Arial"/>
+                <a:ea typeface="Arial"/>
+                <a:cs typeface="Arial"/>
+                <a:sym typeface="Arial"/>
+              </a:rPr>
+              <a:t>Well </a:t>
+            </a:r>
             <a:r>
               <a:rPr lang="en" sz="1700" b="0" i="0" u="none" strike="noStrike" cap="none" dirty="0">
                 <a:latin typeface="Arial"/>
@@ -12505,35 +12733,7 @@
                 <a:cs typeface="Arial"/>
                 <a:sym typeface="Arial"/>
               </a:rPr>
-              <a:t>Why RADICAL-Pilot?</a:t>
-            </a:r>
-          </a:p>
-          <a:p>
-            <a:pPr marL="227011" marR="0" lvl="0" indent="-227011" algn="l" rtl="0">
-              <a:lnSpc>
-                <a:spcPct val="100000"/>
-              </a:lnSpc>
-              <a:spcBef>
-                <a:spcPts val="1200"/>
-              </a:spcBef>
-              <a:spcAft>
-                <a:spcPts val="0"/>
-              </a:spcAft>
-              <a:buClr>
-                <a:srgbClr val="000000"/>
-              </a:buClr>
-              <a:buSzPct val="100000"/>
-              <a:buFont typeface="Arial"/>
-              <a:buChar char="•"/>
-            </a:pPr>
-            <a:r>
-              <a:rPr lang="en" sz="1700" b="0" i="0" u="none" strike="noStrike" cap="none" dirty="0">
-                <a:latin typeface="Arial"/>
-                <a:ea typeface="Arial"/>
-                <a:cs typeface="Arial"/>
-                <a:sym typeface="Arial"/>
-              </a:rPr>
-              <a:t>Well defined state models (for pilots and units) </a:t>
+              <a:t>defined state models (for pilots and units) </a:t>
             </a:r>
           </a:p>
           <a:p>
@@ -12717,6 +12917,280 @@
               <a:t>https://github.com/radical-cybertools/MIDAS-tutorial/blob/master/pilot/Radical_Pilot.ipynb</a:t>
             </a:r>
             <a:endParaRPr lang="en-US" sz="1200" dirty="0">
+              <a:ea typeface="Arial"/>
+              <a:cs typeface="Arial"/>
+              <a:sym typeface="Arial"/>
+            </a:endParaRPr>
+          </a:p>
+        </p:txBody>
+      </p:sp>
+      <p:sp>
+        <p:nvSpPr>
+          <p:cNvPr id="7" name="Shape 207"/>
+          <p:cNvSpPr txBox="1">
+            <a:spLocks/>
+          </p:cNvSpPr>
+          <p:nvPr/>
+        </p:nvSpPr>
+        <p:spPr bwMode="auto">
+          <a:xfrm>
+            <a:off x="609600" y="358377"/>
+            <a:ext cx="8229600" cy="1141498"/>
+          </a:xfrm>
+          <a:prstGeom prst="rect">
+            <a:avLst/>
+          </a:prstGeom>
+          <a:noFill/>
+          <a:ln>
+            <a:noFill/>
+          </a:ln>
+          <a:extLst>
+            <a:ext uri="{909E8E84-426E-40DD-AFC4-6F175D3DCCD1}">
+              <a14:hiddenFill xmlns:a14="http://schemas.microsoft.com/office/drawing/2010/main">
+                <a:solidFill>
+                  <a:srgbClr val="FFFFFF"/>
+                </a:solidFill>
+              </a14:hiddenFill>
+            </a:ext>
+            <a:ext uri="{91240B29-F687-4F45-9708-019B960494DF}">
+              <a14:hiddenLine xmlns:a14="http://schemas.microsoft.com/office/drawing/2010/main" w="9525">
+                <a:solidFill>
+                  <a:srgbClr val="000000"/>
+                </a:solidFill>
+                <a:miter lim="800000"/>
+                <a:headEnd/>
+                <a:tailEnd/>
+              </a14:hiddenLine>
+            </a:ext>
+          </a:extLst>
+        </p:spPr>
+        <p:txBody>
+          <a:bodyPr vert="horz" wrap="square" lIns="91425" tIns="0" rIns="91425" bIns="0" numCol="1" anchor="b" anchorCtr="0" compatLnSpc="1">
+            <a:prstTxWarp prst="textNoShape">
+              <a:avLst/>
+            </a:prstTxWarp>
+            <a:noAutofit/>
+          </a:bodyPr>
+          <a:lstStyle>
+            <a:lvl1pPr lvl="0" algn="l" rtl="0" eaLnBrk="1" fontAlgn="base" hangingPunct="1">
+              <a:spcBef>
+                <a:spcPts val="0"/>
+              </a:spcBef>
+              <a:spcAft>
+                <a:spcPct val="0"/>
+              </a:spcAft>
+              <a:defRPr sz="2550" b="1" i="0" u="none">
+                <a:solidFill>
+                  <a:srgbClr val="B30838"/>
+                </a:solidFill>
+                <a:latin typeface="+mj-lt"/>
+                <a:ea typeface="+mj-ea"/>
+                <a:cs typeface="ＭＳ Ｐゴシック" pitchFamily="-107" charset="-128"/>
+              </a:defRPr>
+            </a:lvl1pPr>
+            <a:lvl2pPr lvl="1" algn="l" rtl="0" eaLnBrk="1" fontAlgn="base" hangingPunct="1">
+              <a:spcBef>
+                <a:spcPts val="0"/>
+              </a:spcBef>
+              <a:spcAft>
+                <a:spcPct val="0"/>
+              </a:spcAft>
+              <a:defRPr sz="2550" b="1">
+                <a:solidFill>
+                  <a:srgbClr val="B30838"/>
+                </a:solidFill>
+                <a:latin typeface="Arial" charset="0"/>
+                <a:ea typeface="ＭＳ Ｐゴシック" charset="-128"/>
+                <a:cs typeface="ＭＳ Ｐゴシック" pitchFamily="-107" charset="-128"/>
+              </a:defRPr>
+            </a:lvl2pPr>
+            <a:lvl3pPr lvl="2" algn="l" rtl="0" eaLnBrk="1" fontAlgn="base" hangingPunct="1">
+              <a:spcBef>
+                <a:spcPts val="0"/>
+              </a:spcBef>
+              <a:spcAft>
+                <a:spcPct val="0"/>
+              </a:spcAft>
+              <a:defRPr sz="2550" b="1">
+                <a:solidFill>
+                  <a:srgbClr val="B30838"/>
+                </a:solidFill>
+                <a:latin typeface="Arial" charset="0"/>
+                <a:ea typeface="ＭＳ Ｐゴシック" charset="-128"/>
+                <a:cs typeface="ＭＳ Ｐゴシック" pitchFamily="-107" charset="-128"/>
+              </a:defRPr>
+            </a:lvl3pPr>
+            <a:lvl4pPr lvl="3" algn="l" rtl="0" eaLnBrk="1" fontAlgn="base" hangingPunct="1">
+              <a:spcBef>
+                <a:spcPts val="0"/>
+              </a:spcBef>
+              <a:spcAft>
+                <a:spcPct val="0"/>
+              </a:spcAft>
+              <a:defRPr sz="2550" b="1">
+                <a:solidFill>
+                  <a:srgbClr val="B30838"/>
+                </a:solidFill>
+                <a:latin typeface="Arial" charset="0"/>
+                <a:ea typeface="ＭＳ Ｐゴシック" charset="-128"/>
+                <a:cs typeface="ＭＳ Ｐゴシック" pitchFamily="-107" charset="-128"/>
+              </a:defRPr>
+            </a:lvl4pPr>
+            <a:lvl5pPr lvl="4" algn="l" rtl="0" eaLnBrk="1" fontAlgn="base" hangingPunct="1">
+              <a:spcBef>
+                <a:spcPts val="0"/>
+              </a:spcBef>
+              <a:spcAft>
+                <a:spcPct val="0"/>
+              </a:spcAft>
+              <a:defRPr sz="2550" b="1">
+                <a:solidFill>
+                  <a:srgbClr val="B30838"/>
+                </a:solidFill>
+                <a:latin typeface="Arial" charset="0"/>
+                <a:ea typeface="ＭＳ Ｐゴシック" charset="-128"/>
+                <a:cs typeface="ＭＳ Ｐゴシック" pitchFamily="-107" charset="-128"/>
+              </a:defRPr>
+            </a:lvl5pPr>
+            <a:lvl6pPr marL="342900" lvl="5" algn="l" rtl="0" eaLnBrk="1" fontAlgn="base" hangingPunct="1">
+              <a:spcBef>
+                <a:spcPts val="0"/>
+              </a:spcBef>
+              <a:spcAft>
+                <a:spcPct val="0"/>
+              </a:spcAft>
+              <a:defRPr sz="2550" b="1">
+                <a:solidFill>
+                  <a:schemeClr val="accent1"/>
+                </a:solidFill>
+                <a:latin typeface="Arial" charset="0"/>
+                <a:ea typeface="ＭＳ Ｐゴシック" charset="-128"/>
+              </a:defRPr>
+            </a:lvl6pPr>
+            <a:lvl7pPr marL="685800" lvl="6" algn="l" rtl="0" eaLnBrk="1" fontAlgn="base" hangingPunct="1">
+              <a:spcBef>
+                <a:spcPts val="0"/>
+              </a:spcBef>
+              <a:spcAft>
+                <a:spcPct val="0"/>
+              </a:spcAft>
+              <a:defRPr sz="2550" b="1">
+                <a:solidFill>
+                  <a:schemeClr val="accent1"/>
+                </a:solidFill>
+                <a:latin typeface="Arial" charset="0"/>
+                <a:ea typeface="ＭＳ Ｐゴシック" charset="-128"/>
+              </a:defRPr>
+            </a:lvl7pPr>
+            <a:lvl8pPr marL="1028700" lvl="7" algn="l" rtl="0" eaLnBrk="1" fontAlgn="base" hangingPunct="1">
+              <a:spcBef>
+                <a:spcPts val="0"/>
+              </a:spcBef>
+              <a:spcAft>
+                <a:spcPct val="0"/>
+              </a:spcAft>
+              <a:defRPr sz="2550" b="1">
+                <a:solidFill>
+                  <a:schemeClr val="accent1"/>
+                </a:solidFill>
+                <a:latin typeface="Arial" charset="0"/>
+                <a:ea typeface="ＭＳ Ｐゴシック" charset="-128"/>
+              </a:defRPr>
+            </a:lvl8pPr>
+            <a:lvl9pPr marL="1371600" lvl="8" algn="l" rtl="0" eaLnBrk="1" fontAlgn="base" hangingPunct="1">
+              <a:spcBef>
+                <a:spcPts val="0"/>
+              </a:spcBef>
+              <a:spcAft>
+                <a:spcPct val="0"/>
+              </a:spcAft>
+              <a:defRPr sz="2550" b="1">
+                <a:solidFill>
+                  <a:schemeClr val="accent1"/>
+                </a:solidFill>
+                <a:latin typeface="Arial" charset="0"/>
+                <a:ea typeface="ＭＳ Ｐゴシック" charset="-128"/>
+              </a:defRPr>
+            </a:lvl9pPr>
+          </a:lstStyle>
+          <a:p>
+            <a:pPr>
+              <a:spcAft>
+                <a:spcPts val="0"/>
+              </a:spcAft>
+              <a:buClr>
+                <a:schemeClr val="lt1"/>
+              </a:buClr>
+              <a:buSzPct val="25000"/>
+              <a:buFont typeface="Arial"/>
+              <a:buNone/>
+            </a:pPr>
+            <a:r>
+              <a:rPr lang="de-DE" sz="3600" kern="0" dirty="0" err="1" smtClean="0">
+                <a:solidFill>
+                  <a:srgbClr val="A50021"/>
+                </a:solidFill>
+                <a:latin typeface="Arial"/>
+                <a:ea typeface="Arial"/>
+                <a:cs typeface="Arial"/>
+                <a:sym typeface="Arial"/>
+              </a:rPr>
+              <a:t>Why</a:t>
+            </a:r>
+            <a:r>
+              <a:rPr lang="de-DE" sz="3600" kern="0" dirty="0" smtClean="0">
+                <a:solidFill>
+                  <a:srgbClr val="A50021"/>
+                </a:solidFill>
+                <a:latin typeface="Arial"/>
+                <a:ea typeface="Arial"/>
+                <a:cs typeface="Arial"/>
+                <a:sym typeface="Arial"/>
+              </a:rPr>
+              <a:t> </a:t>
+            </a:r>
+            <a:r>
+              <a:rPr lang="en" sz="3600" kern="0" dirty="0" smtClean="0">
+                <a:solidFill>
+                  <a:srgbClr val="A50021"/>
+                </a:solidFill>
+                <a:latin typeface="Arial"/>
+                <a:ea typeface="Arial"/>
+                <a:cs typeface="Arial"/>
+                <a:sym typeface="Arial"/>
+              </a:rPr>
+              <a:t>RADICAL-Pilot</a:t>
+            </a:r>
+            <a:r>
+              <a:rPr lang="de-DE" sz="3600" kern="0" dirty="0" smtClean="0">
+                <a:solidFill>
+                  <a:srgbClr val="A50021"/>
+                </a:solidFill>
+                <a:latin typeface="Arial"/>
+                <a:ea typeface="Arial"/>
+                <a:cs typeface="Arial"/>
+                <a:sym typeface="Arial"/>
+              </a:rPr>
+              <a:t>?</a:t>
+            </a:r>
+          </a:p>
+          <a:p>
+            <a:pPr>
+              <a:spcAft>
+                <a:spcPts val="0"/>
+              </a:spcAft>
+              <a:buClr>
+                <a:schemeClr val="lt1"/>
+              </a:buClr>
+              <a:buSzPct val="25000"/>
+              <a:buFont typeface="Arial"/>
+              <a:buNone/>
+            </a:pPr>
+            <a:endParaRPr lang="en" sz="3600" kern="0" dirty="0">
+              <a:solidFill>
+                <a:srgbClr val="A50021"/>
+              </a:solidFill>
+              <a:latin typeface="Arial"/>
               <a:ea typeface="Arial"/>
               <a:cs typeface="Arial"/>
               <a:sym typeface="Arial"/>
@@ -12751,44 +13225,6 @@
       </p:grpSpPr>
       <p:sp>
         <p:nvSpPr>
-          <p:cNvPr id="228" name="Shape 228"/>
-          <p:cNvSpPr txBox="1">
-            <a:spLocks noGrp="1"/>
-          </p:cNvSpPr>
-          <p:nvPr>
-            <p:ph type="title"/>
-          </p:nvPr>
-        </p:nvSpPr>
-        <p:spPr>
-          <a:prstGeom prst="rect">
-            <a:avLst/>
-          </a:prstGeom>
-        </p:spPr>
-        <p:txBody>
-          <a:bodyPr lIns="91425" tIns="91425" rIns="91425" bIns="91425" anchor="b" anchorCtr="0">
-            <a:noAutofit/>
-          </a:bodyPr>
-          <a:lstStyle/>
-          <a:p>
-            <a:pPr lvl="0" rtl="0">
-              <a:spcBef>
-                <a:spcPts val="0"/>
-              </a:spcBef>
-              <a:buNone/>
-            </a:pPr>
-            <a:r>
-              <a:rPr lang="en" dirty="0">
-                <a:solidFill>
-                  <a:srgbClr val="A50021"/>
-                </a:solidFill>
-              </a:rPr>
-              <a:t>Pilot-Hadoop</a:t>
-            </a:r>
-          </a:p>
-        </p:txBody>
-      </p:sp>
-      <p:sp>
-        <p:nvSpPr>
           <p:cNvPr id="229" name="Shape 229"/>
           <p:cNvSpPr txBox="1">
             <a:spLocks noGrp="1"/>
@@ -12817,7 +13253,23 @@
             </a:pPr>
             <a:r>
               <a:rPr lang="en" sz="1800" dirty="0"/>
-              <a:t>Pilot-Hadoop are able to start a Hadoop cluster on an HPC resource</a:t>
+              <a:t>Pilot-Hadoop </a:t>
+            </a:r>
+            <a:r>
+              <a:rPr lang="de-DE" sz="1800" dirty="0" err="1" smtClean="0"/>
+              <a:t>can</a:t>
+            </a:r>
+            <a:r>
+              <a:rPr lang="de-DE" sz="1800" dirty="0" smtClean="0"/>
+              <a:t> manage </a:t>
+            </a:r>
+            <a:r>
+              <a:rPr lang="en" sz="1800" dirty="0" smtClean="0"/>
+              <a:t>a </a:t>
+            </a:r>
+            <a:r>
+              <a:rPr lang="en" sz="1800" dirty="0"/>
+              <a:t>Hadoop cluster on an HPC resource</a:t>
             </a:r>
           </a:p>
           <a:p>
@@ -12856,7 +13308,7 @@
         </p:blipFill>
         <p:spPr>
           <a:xfrm>
-            <a:off x="4401000" y="1384299"/>
+            <a:off x="4383937" y="1031469"/>
             <a:ext cx="4708126" cy="3130899"/>
           </a:xfrm>
           <a:prstGeom prst="rect">
@@ -12900,6 +13352,111 @@
               <a:t>https://github.com/radical-cybertools/MIDAS-tutorial/blob/master/pilot/Pilot-Hadoop.ipynb</a:t>
             </a:r>
             <a:endParaRPr lang="en-US" sz="1200" dirty="0"/>
+          </a:p>
+        </p:txBody>
+      </p:sp>
+      <p:sp>
+        <p:nvSpPr>
+          <p:cNvPr id="7" name="Shape 207"/>
+          <p:cNvSpPr txBox="1">
+            <a:spLocks noGrp="1"/>
+          </p:cNvSpPr>
+          <p:nvPr>
+            <p:ph type="title"/>
+          </p:nvPr>
+        </p:nvSpPr>
+        <p:spPr>
+          <a:xfrm>
+            <a:off x="457200" y="205977"/>
+            <a:ext cx="8229600" cy="1141498"/>
+          </a:xfrm>
+          <a:prstGeom prst="rect">
+            <a:avLst/>
+          </a:prstGeom>
+          <a:noFill/>
+          <a:ln>
+            <a:noFill/>
+          </a:ln>
+        </p:spPr>
+        <p:txBody>
+          <a:bodyPr lIns="91425" tIns="0" rIns="91425" bIns="0" anchor="b" anchorCtr="0">
+            <a:noAutofit/>
+          </a:bodyPr>
+          <a:lstStyle/>
+          <a:p>
+            <a:pPr marL="0" marR="0" lvl="0" indent="0" algn="l" rtl="0">
+              <a:lnSpc>
+                <a:spcPct val="100000"/>
+              </a:lnSpc>
+              <a:spcBef>
+                <a:spcPts val="0"/>
+              </a:spcBef>
+              <a:spcAft>
+                <a:spcPts val="0"/>
+              </a:spcAft>
+              <a:buClr>
+                <a:schemeClr val="lt1"/>
+              </a:buClr>
+              <a:buSzPct val="25000"/>
+              <a:buFont typeface="Arial"/>
+              <a:buNone/>
+            </a:pPr>
+            <a:r>
+              <a:rPr lang="de-DE" sz="3600" b="1" i="0" u="none" strike="noStrike" cap="none" dirty="0" smtClean="0">
+                <a:solidFill>
+                  <a:srgbClr val="A50021"/>
+                </a:solidFill>
+                <a:latin typeface="Arial"/>
+                <a:ea typeface="Arial"/>
+                <a:cs typeface="Arial"/>
+                <a:sym typeface="Arial"/>
+              </a:rPr>
+              <a:t>Pilot-</a:t>
+            </a:r>
+            <a:r>
+              <a:rPr lang="de-DE" sz="3600" b="1" i="0" u="none" strike="noStrike" cap="none" dirty="0" err="1" smtClean="0">
+                <a:solidFill>
+                  <a:srgbClr val="A50021"/>
+                </a:solidFill>
+                <a:latin typeface="Arial"/>
+                <a:ea typeface="Arial"/>
+                <a:cs typeface="Arial"/>
+                <a:sym typeface="Arial"/>
+              </a:rPr>
+              <a:t>Hadoop</a:t>
+            </a:r>
+            <a:r>
+              <a:rPr lang="de-DE" sz="3600" b="1" i="0" u="none" strike="noStrike" cap="none" dirty="0" smtClean="0">
+                <a:solidFill>
+                  <a:srgbClr val="A50021"/>
+                </a:solidFill>
+                <a:latin typeface="Arial"/>
+                <a:ea typeface="Arial"/>
+                <a:cs typeface="Arial"/>
+                <a:sym typeface="Arial"/>
+              </a:rPr>
+              <a:t/>
+            </a:r>
+            <a:br>
+              <a:rPr lang="de-DE" sz="3600" b="1" i="0" u="none" strike="noStrike" cap="none" dirty="0" smtClean="0">
+                <a:solidFill>
+                  <a:srgbClr val="A50021"/>
+                </a:solidFill>
+                <a:latin typeface="Arial"/>
+                <a:ea typeface="Arial"/>
+                <a:cs typeface="Arial"/>
+                <a:sym typeface="Arial"/>
+              </a:rPr>
+            </a:br>
+            <a:endParaRPr lang="en" sz="3600" b="1" i="0" u="none" strike="noStrike" cap="none" dirty="0">
+              <a:solidFill>
+                <a:srgbClr val="A50021"/>
+              </a:solidFill>
+              <a:latin typeface="Arial"/>
+              <a:ea typeface="Arial"/>
+              <a:cs typeface="Arial"/>
+              <a:sym typeface="Arial"/>
+            </a:endParaRPr>
           </a:p>
         </p:txBody>
       </p:sp>
@@ -12928,91 +13485,6 @@
           <a:chExt cx="0" cy="0"/>
         </a:xfrm>
       </p:grpSpPr>
-      <p:sp>
-        <p:nvSpPr>
-          <p:cNvPr id="235" name="Shape 235"/>
-          <p:cNvSpPr txBox="1">
-            <a:spLocks noGrp="1"/>
-          </p:cNvSpPr>
-          <p:nvPr>
-            <p:ph type="title"/>
-          </p:nvPr>
-        </p:nvSpPr>
-        <p:spPr>
-          <a:prstGeom prst="rect">
-            <a:avLst/>
-          </a:prstGeom>
-          <a:noFill/>
-          <a:ln>
-            <a:noFill/>
-          </a:ln>
-        </p:spPr>
-        <p:txBody>
-          <a:bodyPr lIns="91425" tIns="91425" rIns="91425" bIns="91425" anchor="b" anchorCtr="0">
-            <a:noAutofit/>
-          </a:bodyPr>
-          <a:lstStyle/>
-          <a:p>
-            <a:pPr marL="0" marR="0" lvl="0" indent="0" algn="l" rtl="0">
-              <a:lnSpc>
-                <a:spcPct val="100000"/>
-              </a:lnSpc>
-              <a:spcBef>
-                <a:spcPts val="0"/>
-              </a:spcBef>
-              <a:spcAft>
-                <a:spcPts val="0"/>
-              </a:spcAft>
-              <a:buClr>
-                <a:schemeClr val="lt1"/>
-              </a:buClr>
-              <a:buSzPct val="25000"/>
-              <a:buFont typeface="Arial"/>
-              <a:buNone/>
-            </a:pPr>
-            <a:r>
-              <a:rPr lang="en" sz="3600" b="1" i="0" u="none" strike="noStrike" cap="none" dirty="0">
-                <a:solidFill>
-                  <a:srgbClr val="A50021"/>
-                </a:solidFill>
-                <a:latin typeface="Arial"/>
-                <a:ea typeface="Arial"/>
-                <a:cs typeface="Arial"/>
-                <a:sym typeface="Arial"/>
-              </a:rPr>
-              <a:t>Pilot</a:t>
-            </a:r>
-            <a:r>
-              <a:rPr lang="en" sz="3600" dirty="0">
-                <a:solidFill>
-                  <a:srgbClr val="A50021"/>
-                </a:solidFill>
-              </a:rPr>
-              <a:t>-Spark</a:t>
-            </a:r>
-            <a:br>
-              <a:rPr lang="en" sz="3600" b="1" i="0" u="none" strike="noStrike" cap="none" dirty="0">
-                <a:solidFill>
-                  <a:srgbClr val="A50021"/>
-                </a:solidFill>
-                <a:latin typeface="Arial"/>
-                <a:ea typeface="Arial"/>
-                <a:cs typeface="Arial"/>
-                <a:sym typeface="Arial"/>
-              </a:rPr>
-            </a:br>
-            <a:endParaRPr lang="en" sz="3600" b="1" i="0" u="none" strike="noStrike" cap="none" dirty="0">
-              <a:solidFill>
-                <a:srgbClr val="A50021"/>
-              </a:solidFill>
-              <a:latin typeface="Arial"/>
-              <a:ea typeface="Arial"/>
-              <a:cs typeface="Arial"/>
-              <a:sym typeface="Arial"/>
-            </a:endParaRPr>
-          </a:p>
-        </p:txBody>
-      </p:sp>
       <p:pic>
         <p:nvPicPr>
           <p:cNvPr id="236" name="Shape 236" descr="Spark Cluster - Agent Interaction-3.png"/>
@@ -13169,6 +13641,87 @@
               <a:t>https://github.com/radical-cybertools/MIDAS-tutorial/blob/master/pilot/Pilot-Spark.ipynb</a:t>
             </a:r>
             <a:endParaRPr lang="en-US" sz="1200" dirty="0"/>
+          </a:p>
+        </p:txBody>
+      </p:sp>
+      <p:sp>
+        <p:nvSpPr>
+          <p:cNvPr id="7" name="Shape 207"/>
+          <p:cNvSpPr txBox="1">
+            <a:spLocks noGrp="1"/>
+          </p:cNvSpPr>
+          <p:nvPr>
+            <p:ph type="title"/>
+          </p:nvPr>
+        </p:nvSpPr>
+        <p:spPr>
+          <a:xfrm>
+            <a:off x="457200" y="205977"/>
+            <a:ext cx="8229600" cy="1141498"/>
+          </a:xfrm>
+          <a:prstGeom prst="rect">
+            <a:avLst/>
+          </a:prstGeom>
+          <a:noFill/>
+          <a:ln>
+            <a:noFill/>
+          </a:ln>
+        </p:spPr>
+        <p:txBody>
+          <a:bodyPr lIns="91425" tIns="0" rIns="91425" bIns="0" anchor="b" anchorCtr="0">
+            <a:noAutofit/>
+          </a:bodyPr>
+          <a:lstStyle/>
+          <a:p>
+            <a:pPr marL="0" marR="0" lvl="0" indent="0" algn="l" rtl="0">
+              <a:lnSpc>
+                <a:spcPct val="100000"/>
+              </a:lnSpc>
+              <a:spcBef>
+                <a:spcPts val="0"/>
+              </a:spcBef>
+              <a:spcAft>
+                <a:spcPts val="0"/>
+              </a:spcAft>
+              <a:buClr>
+                <a:schemeClr val="lt1"/>
+              </a:buClr>
+              <a:buSzPct val="25000"/>
+              <a:buFont typeface="Arial"/>
+              <a:buNone/>
+            </a:pPr>
+            <a:r>
+              <a:rPr lang="de-DE" sz="3600" b="1" i="0" u="none" strike="noStrike" cap="none" dirty="0" smtClean="0">
+                <a:solidFill>
+                  <a:srgbClr val="A50021"/>
+                </a:solidFill>
+                <a:latin typeface="Arial"/>
+                <a:ea typeface="Arial"/>
+                <a:cs typeface="Arial"/>
+                <a:sym typeface="Arial"/>
+              </a:rPr>
+              <a:t>Pilot-Spark</a:t>
+            </a:r>
+            <a:br>
+              <a:rPr lang="de-DE" sz="3600" b="1" i="0" u="none" strike="noStrike" cap="none" dirty="0" smtClean="0">
+                <a:solidFill>
+                  <a:srgbClr val="A50021"/>
+                </a:solidFill>
+                <a:latin typeface="Arial"/>
+                <a:ea typeface="Arial"/>
+                <a:cs typeface="Arial"/>
+                <a:sym typeface="Arial"/>
+              </a:rPr>
+            </a:br>
+            <a:endParaRPr lang="en" sz="3600" b="1" i="0" u="none" strike="noStrike" cap="none" dirty="0">
+              <a:solidFill>
+                <a:srgbClr val="A50021"/>
+              </a:solidFill>
+              <a:latin typeface="Arial"/>
+              <a:ea typeface="Arial"/>
+              <a:cs typeface="Arial"/>
+              <a:sym typeface="Arial"/>
+            </a:endParaRPr>
           </a:p>
         </p:txBody>
       </p:sp>
@@ -13389,7 +13942,7 @@
               <a:buChar char="●"/>
             </a:pPr>
             <a:r>
-              <a:rPr lang="en" sz="1800" u="sng">
+              <a:rPr lang="en" sz="1800" u="sng" dirty="0">
                 <a:solidFill>
                   <a:schemeClr val="hlink"/>
                 </a:solidFill>
@@ -13407,7 +13960,7 @@
               <a:buChar char="●"/>
             </a:pPr>
             <a:r>
-              <a:rPr lang="en" sz="1800" u="sng">
+              <a:rPr lang="en" sz="1800" u="sng" dirty="0">
                 <a:solidFill>
                   <a:schemeClr val="hlink"/>
                 </a:solidFill>
@@ -13425,7 +13978,7 @@
               <a:buChar char="●"/>
             </a:pPr>
             <a:r>
-              <a:rPr lang="en" sz="1800" u="sng">
+              <a:rPr lang="en" sz="1800" u="sng" dirty="0">
                 <a:solidFill>
                   <a:schemeClr val="hlink"/>
                 </a:solidFill>
@@ -13434,7 +13987,7 @@
               <a:t>https://github.com/Becksteinlab/SPIDAL-MDAnalysis-Midas-tutorial</a:t>
             </a:r>
             <a:r>
-              <a:rPr lang="en" sz="1800"/>
+              <a:rPr lang="en" sz="1800" dirty="0"/>
               <a:t> </a:t>
             </a:r>
           </a:p>
@@ -13445,7 +13998,7 @@
               </a:spcBef>
               <a:buNone/>
             </a:pPr>
-            <a:endParaRPr sz="1800"/>
+            <a:endParaRPr sz="1800" dirty="0"/>
           </a:p>
         </p:txBody>
       </p:sp>
